--- a/Hackathon1.pptx
+++ b/Hackathon1.pptx
@@ -10,7 +10,7 @@
     <p:sldId id="259" r:id="rId4"/>
     <p:sldId id="258" r:id="rId5"/>
     <p:sldId id="260" r:id="rId6"/>
-    <p:sldId id="261" r:id="rId7"/>
+    <p:sldId id="262" r:id="rId7"/>
   </p:sldIdLst>
   <p:sldSz cx="12192000" cy="6858000"/>
   <p:notesSz cx="6858000" cy="9144000"/>
@@ -5496,7 +5496,28 @@
           <a:bodyPr/>
           <a:lstStyle/>
           <a:p>
-            <a:endParaRPr lang="en-ZA"/>
+            <a:r>
+              <a:rPr lang="en-ZA" dirty="0"/>
+              <a:t>Planning</a:t>
+            </a:r>
+          </a:p>
+          <a:p>
+            <a:r>
+              <a:rPr lang="en-ZA" dirty="0"/>
+              <a:t>Design Decisions</a:t>
+            </a:r>
+          </a:p>
+          <a:p>
+            <a:r>
+              <a:rPr lang="en-ZA" dirty="0"/>
+              <a:t>Coding</a:t>
+            </a:r>
+          </a:p>
+          <a:p>
+            <a:r>
+              <a:rPr lang="en-ZA" dirty="0"/>
+              <a:t>System Outputs</a:t>
+            </a:r>
           </a:p>
         </p:txBody>
       </p:sp>
@@ -5783,7 +5804,7 @@
           <a:p>
             <a:r>
               <a:rPr lang="en-ZA" dirty="0"/>
-              <a:t>Coding</a:t>
+              <a:t>Coding: Import data</a:t>
             </a:r>
           </a:p>
         </p:txBody>
@@ -5804,15 +5825,90 @@
             <p:ph idx="1"/>
           </p:nvPr>
         </p:nvSpPr>
-        <p:spPr/>
+        <p:spPr>
+          <a:xfrm>
+            <a:off x="818711" y="2222287"/>
+            <a:ext cx="4919479" cy="3636511"/>
+          </a:xfrm>
+        </p:spPr>
         <p:txBody>
           <a:bodyPr/>
           <a:lstStyle/>
           <a:p>
-            <a:endParaRPr lang="en-ZA" dirty="0"/>
-          </a:p>
-        </p:txBody>
-      </p:sp>
+            <a:r>
+              <a:rPr lang="en-ZA" dirty="0"/>
+              <a:t>List Object was used</a:t>
+            </a:r>
+          </a:p>
+          <a:p>
+            <a:r>
+              <a:rPr lang="en-ZA" dirty="0"/>
+              <a:t>Excludes first and last line</a:t>
+            </a:r>
+          </a:p>
+          <a:p>
+            <a:r>
+              <a:rPr lang="en-ZA" dirty="0"/>
+              <a:t>Appends into </a:t>
+            </a:r>
+            <a:r>
+              <a:rPr lang="en-ZA" dirty="0" err="1"/>
+              <a:t>distanceSensors</a:t>
+            </a:r>
+            <a:r>
+              <a:rPr lang="en-ZA" dirty="0"/>
+              <a:t>[]</a:t>
+            </a:r>
+          </a:p>
+        </p:txBody>
+      </p:sp>
+      <p:pic>
+        <p:nvPicPr>
+          <p:cNvPr id="2052" name="Picture 4" descr="https://raw.githubusercontent.com/James-AIIP-2018/Intensive1Hackathon1/master/import.png">
+            <a:extLst>
+              <a:ext uri="{FF2B5EF4-FFF2-40B4-BE49-F238E27FC236}">
+                <a16:creationId xmlns:a16="http://schemas.microsoft.com/office/drawing/2014/main" id="{7C6EB2AF-D315-4BED-83FA-4953D8C009DC}"/>
+              </a:ext>
+            </a:extLst>
+          </p:cNvPr>
+          <p:cNvPicPr>
+            <a:picLocks noChangeAspect="1" noChangeArrowheads="1"/>
+          </p:cNvPicPr>
+          <p:nvPr/>
+        </p:nvPicPr>
+        <p:blipFill>
+          <a:blip r:embed="rId2">
+            <a:extLst>
+              <a:ext uri="{28A0092B-C50C-407E-A947-70E740481C1C}">
+                <a14:useLocalDpi xmlns:a14="http://schemas.microsoft.com/office/drawing/2010/main" val="0"/>
+              </a:ext>
+            </a:extLst>
+          </a:blip>
+          <a:srcRect/>
+          <a:stretch>
+            <a:fillRect/>
+          </a:stretch>
+        </p:blipFill>
+        <p:spPr bwMode="auto">
+          <a:xfrm>
+            <a:off x="6095999" y="1868557"/>
+            <a:ext cx="6094249" cy="4989443"/>
+          </a:xfrm>
+          <a:prstGeom prst="rect">
+            <a:avLst/>
+          </a:prstGeom>
+          <a:noFill/>
+          <a:extLst>
+            <a:ext uri="{909E8E84-426E-40DD-AFC4-6F175D3DCCD1}">
+              <a14:hiddenFill xmlns:a14="http://schemas.microsoft.com/office/drawing/2010/main">
+                <a:solidFill>
+                  <a:srgbClr val="FFFFFF"/>
+                </a:solidFill>
+              </a14:hiddenFill>
+            </a:ext>
+          </a:extLst>
+        </p:spPr>
+      </p:pic>
     </p:spTree>
     <p:extLst>
       <p:ext uri="{BB962C8B-B14F-4D97-AF65-F5344CB8AC3E}">
@@ -5848,7 +5944,7 @@
           <p:cNvPr id="2" name="Title 1">
             <a:extLst>
               <a:ext uri="{FF2B5EF4-FFF2-40B4-BE49-F238E27FC236}">
-                <a16:creationId xmlns:a16="http://schemas.microsoft.com/office/drawing/2014/main" id="{85CD0338-CE66-4EEF-AB06-8084314DC9E3}"/>
+                <a16:creationId xmlns:a16="http://schemas.microsoft.com/office/drawing/2014/main" id="{9570BC39-44D8-40E3-8C9E-08B168F9F4A5}"/>
               </a:ext>
             </a:extLst>
           </p:cNvPr>
@@ -5866,7 +5962,7 @@
           <a:p>
             <a:r>
               <a:rPr lang="en-ZA" dirty="0"/>
-              <a:t>System Outputs</a:t>
+              <a:t>Coding: Confirm Thato’s belief that distances are correct</a:t>
             </a:r>
           </a:p>
         </p:txBody>
@@ -5876,7 +5972,7 @@
           <p:cNvPr id="3" name="Content Placeholder 2">
             <a:extLst>
               <a:ext uri="{FF2B5EF4-FFF2-40B4-BE49-F238E27FC236}">
-                <a16:creationId xmlns:a16="http://schemas.microsoft.com/office/drawing/2014/main" id="{DD025D99-2D84-4990-B7D2-D289BCCC6B59}"/>
+                <a16:creationId xmlns:a16="http://schemas.microsoft.com/office/drawing/2014/main" id="{FE92081E-80D3-420B-A77C-33EB13C74B7B}"/>
               </a:ext>
             </a:extLst>
           </p:cNvPr>
@@ -5887,19 +5983,94 @@
             <p:ph idx="1"/>
           </p:nvPr>
         </p:nvSpPr>
-        <p:spPr/>
+        <p:spPr>
+          <a:xfrm>
+            <a:off x="818712" y="2222287"/>
+            <a:ext cx="4578536" cy="3636511"/>
+          </a:xfrm>
+        </p:spPr>
         <p:txBody>
           <a:bodyPr/>
           <a:lstStyle/>
           <a:p>
-            <a:endParaRPr lang="en-ZA"/>
-          </a:p>
-        </p:txBody>
-      </p:sp>
+            <a:r>
+              <a:rPr lang="en-ZA" dirty="0"/>
+              <a:t>Cumulatively sum the distance travelled on each loop</a:t>
+            </a:r>
+          </a:p>
+          <a:p>
+            <a:r>
+              <a:rPr lang="en-ZA" dirty="0"/>
+              <a:t>Add cumulative total to distance remaining</a:t>
+            </a:r>
+          </a:p>
+          <a:p>
+            <a:r>
+              <a:rPr lang="en-ZA" dirty="0"/>
+              <a:t>Compare cumulative total to </a:t>
+            </a:r>
+            <a:r>
+              <a:rPr lang="en-ZA" dirty="0" err="1"/>
+              <a:t>totalDistance</a:t>
+            </a:r>
+            <a:r>
+              <a:rPr lang="en-ZA" dirty="0"/>
+              <a:t> and print if not equal</a:t>
+            </a:r>
+          </a:p>
+        </p:txBody>
+      </p:sp>
+      <p:pic>
+        <p:nvPicPr>
+          <p:cNvPr id="1028" name="Picture 4" descr="https://raw.githubusercontent.com/James-AIIP-2018/Intensive1Hackathon1/master/verify.png">
+            <a:extLst>
+              <a:ext uri="{FF2B5EF4-FFF2-40B4-BE49-F238E27FC236}">
+                <a16:creationId xmlns:a16="http://schemas.microsoft.com/office/drawing/2014/main" id="{028E8759-D82F-45E9-BAD9-75B9324E81CE}"/>
+              </a:ext>
+            </a:extLst>
+          </p:cNvPr>
+          <p:cNvPicPr>
+            <a:picLocks noChangeAspect="1" noChangeArrowheads="1"/>
+          </p:cNvPicPr>
+          <p:nvPr/>
+        </p:nvPicPr>
+        <p:blipFill>
+          <a:blip r:embed="rId2">
+            <a:extLst>
+              <a:ext uri="{28A0092B-C50C-407E-A947-70E740481C1C}">
+                <a14:useLocalDpi xmlns:a14="http://schemas.microsoft.com/office/drawing/2010/main" val="0"/>
+              </a:ext>
+            </a:extLst>
+          </a:blip>
+          <a:srcRect/>
+          <a:stretch>
+            <a:fillRect/>
+          </a:stretch>
+        </p:blipFill>
+        <p:spPr bwMode="auto">
+          <a:xfrm>
+            <a:off x="5397248" y="2541675"/>
+            <a:ext cx="6794752" cy="3317123"/>
+          </a:xfrm>
+          <a:prstGeom prst="rect">
+            <a:avLst/>
+          </a:prstGeom>
+          <a:noFill/>
+          <a:extLst>
+            <a:ext uri="{909E8E84-426E-40DD-AFC4-6F175D3DCCD1}">
+              <a14:hiddenFill xmlns:a14="http://schemas.microsoft.com/office/drawing/2010/main">
+                <a:solidFill>
+                  <a:srgbClr val="FFFFFF"/>
+                </a:solidFill>
+              </a14:hiddenFill>
+            </a:ext>
+          </a:extLst>
+        </p:spPr>
+      </p:pic>
     </p:spTree>
     <p:extLst>
       <p:ext uri="{BB962C8B-B14F-4D97-AF65-F5344CB8AC3E}">
-        <p14:creationId xmlns:p14="http://schemas.microsoft.com/office/powerpoint/2010/main" val="4111289906"/>
+        <p14:creationId xmlns:p14="http://schemas.microsoft.com/office/powerpoint/2010/main" val="4111728278"/>
       </p:ext>
     </p:extLst>
   </p:cSld>
